--- a/07. 自我主权的数字身份（SSI）到底有什么 (2021) .pptx
+++ b/07. 自我主权的数字身份（SSI）到底有什么 (2021) .pptx
@@ -5288,14 +5288,14 @@
           </a:lstStyle>
           <a:p>
             <a:r>
-              <a:rPr lang="" altLang="en-US" dirty="0">
+              <a:rPr lang="en-US" altLang="en-US" dirty="0">
                 <a:solidFill>
                   <a:schemeClr val="tx1"/>
                 </a:solidFill>
               </a:rPr>
               <a:t>?</a:t>
             </a:r>
-            <a:endParaRPr lang="" altLang="en-US" dirty="0">
+            <a:endParaRPr lang="en-US" altLang="en-US" dirty="0">
               <a:solidFill>
                 <a:schemeClr val="tx1"/>
               </a:solidFill>
@@ -5531,14 +5531,14 @@
           </a:lstStyle>
           <a:p>
             <a:r>
-              <a:rPr lang="" altLang="en-US" dirty="0">
+              <a:rPr lang="en-US" altLang="en-US" dirty="0">
                 <a:solidFill>
                   <a:schemeClr val="tx1"/>
                 </a:solidFill>
               </a:rPr>
               <a:t>?</a:t>
             </a:r>
-            <a:endParaRPr lang="" altLang="en-US" dirty="0">
+            <a:endParaRPr lang="en-US" altLang="en-US" dirty="0">
               <a:solidFill>
                 <a:schemeClr val="tx1"/>
               </a:solidFill>
@@ -5954,7 +5954,7 @@
                 <a:ea typeface="微软雅黑" panose="020B0503020204020204" charset="-122"/>
                 <a:sym typeface="+mn-ea"/>
               </a:rPr>
-              <a:t>在技术上并没有革命性创新；</a:t>
+              <a:t>在技术上并没有革命性的创新；</a:t>
             </a:r>
             <a:endParaRPr lang="zh-CN" altLang="en-US" sz="1800" dirty="0">
               <a:solidFill>
@@ -5991,29 +5991,7 @@
                 <a:ea typeface="微软雅黑" panose="020B0503020204020204" charset="-122"/>
                 <a:sym typeface="+mn-ea"/>
               </a:rPr>
-              <a:t>是</a:t>
-            </a:r>
-            <a:r>
-              <a:rPr lang="zh-CN" altLang="en-US" sz="1800" dirty="0">
-                <a:solidFill>
-                  <a:schemeClr val="tx1"/>
-                </a:solidFill>
-                <a:latin typeface="微软雅黑" panose="020B0503020204020204" charset="-122"/>
-                <a:ea typeface="微软雅黑" panose="020B0503020204020204" charset="-122"/>
-                <a:sym typeface="+mn-ea"/>
-              </a:rPr>
-              <a:t>一种</a:t>
-            </a:r>
-            <a:r>
-              <a:rPr lang="zh-CN" altLang="en-US" sz="1800" dirty="0">
-                <a:solidFill>
-                  <a:schemeClr val="tx1"/>
-                </a:solidFill>
-                <a:latin typeface="微软雅黑" panose="020B0503020204020204" charset="-122"/>
-                <a:ea typeface="微软雅黑" panose="020B0503020204020204" charset="-122"/>
-                <a:sym typeface="+mn-ea"/>
-              </a:rPr>
-              <a:t>给予数字身份主权的理念，去中心化的身份标识和机器可验证的证明可以助力实现这一理念；</a:t>
+              <a:t>是一种给予数字身份主权的理念，去中心化的身份标识和机器可验证的证明可以助力实现这一理念；</a:t>
             </a:r>
             <a:endParaRPr lang="zh-CN" altLang="en-US" sz="1800" dirty="0">
               <a:solidFill>
@@ -6050,18 +6028,7 @@
                 <a:ea typeface="微软雅黑" panose="020B0503020204020204" charset="-122"/>
                 <a:sym typeface="+mn-ea"/>
               </a:rPr>
-              <a:t>提供了开放和正确的</a:t>
-            </a:r>
-            <a:r>
-              <a:rPr lang="zh-CN" altLang="en-US" sz="1800" dirty="0">
-                <a:solidFill>
-                  <a:schemeClr val="tx1"/>
-                </a:solidFill>
-                <a:latin typeface="微软雅黑" panose="020B0503020204020204" charset="-122"/>
-                <a:ea typeface="微软雅黑" panose="020B0503020204020204" charset="-122"/>
-                <a:sym typeface="+mn-ea"/>
-              </a:rPr>
-              <a:t>去中心化的身份标识规范（</a:t>
+              <a:t>提供了开放、可行的去中心化的身份标识规范（</a:t>
             </a:r>
             <a:r>
               <a:rPr lang="en-US" altLang="zh-CN" sz="1800" dirty="0">
